--- a/PHP/PPT/2 - Formation PHP -les fondements de PHP.pptx
+++ b/PHP/PPT/2 - Formation PHP -les fondements de PHP.pptx
@@ -210,7 +210,7 @@
           <a:p>
             <a:fld id="{7E0382DC-03BB-4DA5-8FDD-921109285244}" type="datetimeFigureOut">
               <a:rPr lang="fr-FR" smtClean="0"/>
-              <a:t>08/12/2015</a:t>
+              <a:t>13/12/2016</a:t>
             </a:fld>
             <a:endParaRPr lang="fr-FR"/>
           </a:p>
@@ -276,7 +276,7 @@
           <a:p>
             <a:fld id="{1F72861D-83A5-4B09-9317-6C9EE4A8F674}" type="slidenum">
               <a:rPr lang="fr-FR" smtClean="0"/>
-              <a:t>‹N°›</a:t>
+              <a:t>‹#›</a:t>
             </a:fld>
             <a:endParaRPr lang="fr-FR"/>
           </a:p>
@@ -376,7 +376,7 @@
           <a:p>
             <a:fld id="{389D4A9C-97F0-421E-BA4F-D67C6EA9E76C}" type="datetimeFigureOut">
               <a:rPr lang="fr-FR" smtClean="0"/>
-              <a:t>08/12/2015</a:t>
+              <a:t>13/12/2016</a:t>
             </a:fld>
             <a:endParaRPr lang="fr-FR"/>
           </a:p>
@@ -535,7 +535,7 @@
           <a:p>
             <a:fld id="{B8C2C029-268C-41B7-93F7-272C3F336A6D}" type="slidenum">
               <a:rPr lang="fr-FR" smtClean="0"/>
-              <a:t>‹N°›</a:t>
+              <a:t>‹#›</a:t>
             </a:fld>
             <a:endParaRPr lang="fr-FR"/>
           </a:p>
@@ -828,7 +828,7 @@
           <a:p>
             <a:fld id="{D028C1AA-BF05-477F-A770-8B89FAEAA0EB}" type="datetime1">
               <a:rPr lang="en-US" smtClean="0"/>
-              <a:t>12/8/2015</a:t>
+              <a:t>12/13/16</a:t>
             </a:fld>
             <a:endParaRPr lang="en-US" dirty="0"/>
           </a:p>
@@ -870,7 +870,7 @@
           <a:p>
             <a:fld id="{D57F1E4F-1CFF-5643-939E-02111984F565}" type="slidenum">
               <a:rPr lang="en-US" dirty="0"/>
-              <a:t>‹N°›</a:t>
+              <a:t>‹#›</a:t>
             </a:fld>
             <a:endParaRPr lang="en-US" dirty="0"/>
           </a:p>
@@ -1098,7 +1098,7 @@
           <a:p>
             <a:fld id="{ACB945BD-B832-438F-9794-86FAF9DC2027}" type="datetime1">
               <a:rPr lang="en-US" smtClean="0"/>
-              <a:t>12/8/2015</a:t>
+              <a:t>12/13/16</a:t>
             </a:fld>
             <a:endParaRPr lang="en-US" dirty="0"/>
           </a:p>
@@ -1140,7 +1140,7 @@
           <a:p>
             <a:fld id="{D57F1E4F-1CFF-5643-939E-02111984F565}" type="slidenum">
               <a:rPr lang="en-US" dirty="0"/>
-              <a:t>‹N°›</a:t>
+              <a:t>‹#›</a:t>
             </a:fld>
             <a:endParaRPr lang="en-US" dirty="0"/>
           </a:p>
@@ -1287,7 +1287,7 @@
           <a:p>
             <a:fld id="{1274AFCD-D2AD-4C91-98A9-FDB209680D66}" type="datetime1">
               <a:rPr lang="en-US" smtClean="0"/>
-              <a:t>12/8/2015</a:t>
+              <a:t>12/13/16</a:t>
             </a:fld>
             <a:endParaRPr lang="en-US" dirty="0"/>
           </a:p>
@@ -1329,7 +1329,7 @@
           <a:p>
             <a:fld id="{D57F1E4F-1CFF-5643-939E-02111984F565}" type="slidenum">
               <a:rPr lang="en-US" dirty="0"/>
-              <a:t>‹N°›</a:t>
+              <a:t>‹#›</a:t>
             </a:fld>
             <a:endParaRPr lang="en-US" dirty="0"/>
           </a:p>
@@ -1550,7 +1550,7 @@
           <a:p>
             <a:fld id="{7381FAA0-3FF9-44B3-94D9-03C8A2166C7C}" type="datetime1">
               <a:rPr lang="en-US" smtClean="0"/>
-              <a:t>12/8/2015</a:t>
+              <a:t>12/13/16</a:t>
             </a:fld>
             <a:endParaRPr lang="en-US" dirty="0"/>
           </a:p>
@@ -1592,7 +1592,7 @@
           <a:p>
             <a:fld id="{D57F1E4F-1CFF-5643-939E-02111984F565}" type="slidenum">
               <a:rPr lang="en-US" dirty="0"/>
-              <a:t>‹N°›</a:t>
+              <a:t>‹#›</a:t>
             </a:fld>
             <a:endParaRPr lang="en-US" dirty="0"/>
           </a:p>
@@ -1877,7 +1877,7 @@
           <a:p>
             <a:fld id="{F769EEA7-6558-41EF-B7C6-A91CF4B2286A}" type="datetime1">
               <a:rPr lang="en-US" smtClean="0"/>
-              <a:t>12/8/2015</a:t>
+              <a:t>12/13/16</a:t>
             </a:fld>
             <a:endParaRPr lang="en-US" dirty="0"/>
           </a:p>
@@ -1919,7 +1919,7 @@
           <a:p>
             <a:fld id="{D57F1E4F-1CFF-5643-939E-02111984F565}" type="slidenum">
               <a:rPr lang="en-US" dirty="0"/>
-              <a:t>‹N°›</a:t>
+              <a:t>‹#›</a:t>
             </a:fld>
             <a:endParaRPr lang="en-US" dirty="0"/>
           </a:p>
@@ -2482,7 +2482,7 @@
           <a:p>
             <a:fld id="{4CE4BD85-82ED-49EB-9DBD-BBC9E8C9DC12}" type="datetime1">
               <a:rPr lang="en-US" smtClean="0"/>
-              <a:t>12/8/2015</a:t>
+              <a:t>12/13/16</a:t>
             </a:fld>
             <a:endParaRPr lang="en-US" dirty="0"/>
           </a:p>
@@ -2524,7 +2524,7 @@
           <a:p>
             <a:fld id="{D57F1E4F-1CFF-5643-939E-02111984F565}" type="slidenum">
               <a:rPr lang="en-US" dirty="0"/>
-              <a:t>‹N°›</a:t>
+              <a:t>‹#›</a:t>
             </a:fld>
             <a:endParaRPr lang="en-US" dirty="0"/>
           </a:p>
@@ -3324,7 +3324,7 @@
           <a:p>
             <a:fld id="{6BC53C1E-317A-4984-805E-B749D7F4E950}" type="datetime1">
               <a:rPr lang="en-US" smtClean="0"/>
-              <a:t>12/8/2015</a:t>
+              <a:t>12/13/16</a:t>
             </a:fld>
             <a:endParaRPr lang="en-US" dirty="0"/>
           </a:p>
@@ -3366,7 +3366,7 @@
           <a:p>
             <a:fld id="{D57F1E4F-1CFF-5643-939E-02111984F565}" type="slidenum">
               <a:rPr lang="en-US" dirty="0"/>
-              <a:t>‹N°›</a:t>
+              <a:t>‹#›</a:t>
             </a:fld>
             <a:endParaRPr lang="en-US" dirty="0"/>
           </a:p>
@@ -3489,7 +3489,7 @@
           <a:p>
             <a:fld id="{F1541179-F36C-45FB-BF05-576CE598AD5E}" type="datetime1">
               <a:rPr lang="en-US" smtClean="0"/>
-              <a:t>12/8/2015</a:t>
+              <a:t>12/13/16</a:t>
             </a:fld>
             <a:endParaRPr lang="en-US" dirty="0"/>
           </a:p>
@@ -3531,7 +3531,7 @@
           <a:p>
             <a:fld id="{D57F1E4F-1CFF-5643-939E-02111984F565}" type="slidenum">
               <a:rPr lang="en-US" dirty="0"/>
-              <a:t>‹N°›</a:t>
+              <a:t>‹#›</a:t>
             </a:fld>
             <a:endParaRPr lang="en-US" dirty="0"/>
           </a:p>
@@ -3664,7 +3664,7 @@
           <a:p>
             <a:fld id="{1452E859-5120-490F-BA2B-6A7031AEA6DD}" type="datetime1">
               <a:rPr lang="en-US" smtClean="0"/>
-              <a:t>12/8/2015</a:t>
+              <a:t>12/13/16</a:t>
             </a:fld>
             <a:endParaRPr lang="en-US" dirty="0"/>
           </a:p>
@@ -3706,7 +3706,7 @@
           <a:p>
             <a:fld id="{D57F1E4F-1CFF-5643-939E-02111984F565}" type="slidenum">
               <a:rPr lang="en-US" dirty="0"/>
-              <a:t>‹N°›</a:t>
+              <a:t>‹#›</a:t>
             </a:fld>
             <a:endParaRPr lang="en-US" dirty="0"/>
           </a:p>
@@ -3829,7 +3829,7 @@
           <a:p>
             <a:fld id="{9E91C1F3-CCCF-41BE-864F-0425C3139438}" type="datetime1">
               <a:rPr lang="en-US" smtClean="0"/>
-              <a:t>12/8/2015</a:t>
+              <a:t>12/13/16</a:t>
             </a:fld>
             <a:endParaRPr lang="en-US" dirty="0"/>
           </a:p>
@@ -3871,7 +3871,7 @@
           <a:p>
             <a:fld id="{D57F1E4F-1CFF-5643-939E-02111984F565}" type="slidenum">
               <a:rPr lang="en-US" dirty="0"/>
-              <a:t>‹N°›</a:t>
+              <a:t>‹#›</a:t>
             </a:fld>
             <a:endParaRPr lang="en-US" dirty="0"/>
           </a:p>
@@ -4068,7 +4068,7 @@
           <a:p>
             <a:fld id="{F6B991C2-3901-4AF2-98EE-931409B84DE2}" type="datetime1">
               <a:rPr lang="en-US" smtClean="0"/>
-              <a:t>12/8/2015</a:t>
+              <a:t>12/13/16</a:t>
             </a:fld>
             <a:endParaRPr lang="en-US" dirty="0"/>
           </a:p>
@@ -4110,7 +4110,7 @@
           <a:p>
             <a:fld id="{D57F1E4F-1CFF-5643-939E-02111984F565}" type="slidenum">
               <a:rPr lang="en-US" dirty="0"/>
-              <a:t>‹N°›</a:t>
+              <a:t>‹#›</a:t>
             </a:fld>
             <a:endParaRPr lang="en-US" dirty="0"/>
           </a:p>
@@ -4355,7 +4355,7 @@
           <a:p>
             <a:fld id="{0E6299F7-1BBE-4C5A-B359-D36F51D55589}" type="datetime1">
               <a:rPr lang="en-US" smtClean="0"/>
-              <a:t>12/8/2015</a:t>
+              <a:t>12/13/16</a:t>
             </a:fld>
             <a:endParaRPr lang="en-US" dirty="0"/>
           </a:p>
@@ -4397,7 +4397,7 @@
           <a:p>
             <a:fld id="{D57F1E4F-1CFF-5643-939E-02111984F565}" type="slidenum">
               <a:rPr lang="en-US" dirty="0"/>
-              <a:t>‹N°›</a:t>
+              <a:t>‹#›</a:t>
             </a:fld>
             <a:endParaRPr lang="en-US" dirty="0"/>
           </a:p>
@@ -4788,7 +4788,7 @@
           <a:p>
             <a:fld id="{6410AB36-E70B-469E-8F5C-D9AD08E30B0A}" type="datetime1">
               <a:rPr lang="en-US" smtClean="0"/>
-              <a:t>12/8/2015</a:t>
+              <a:t>12/13/16</a:t>
             </a:fld>
             <a:endParaRPr lang="en-US" dirty="0"/>
           </a:p>
@@ -4830,7 +4830,7 @@
           <a:p>
             <a:fld id="{D57F1E4F-1CFF-5643-939E-02111984F565}" type="slidenum">
               <a:rPr lang="en-US" dirty="0"/>
-              <a:t>‹N°›</a:t>
+              <a:t>‹#›</a:t>
             </a:fld>
             <a:endParaRPr lang="en-US" dirty="0"/>
           </a:p>
@@ -4901,7 +4901,7 @@
           <a:p>
             <a:fld id="{B81B622A-D58B-4801-8726-8C0FD6F327E4}" type="datetime1">
               <a:rPr lang="en-US" smtClean="0"/>
-              <a:t>12/8/2015</a:t>
+              <a:t>12/13/16</a:t>
             </a:fld>
             <a:endParaRPr lang="en-US" dirty="0"/>
           </a:p>
@@ -4943,7 +4943,7 @@
           <a:p>
             <a:fld id="{D57F1E4F-1CFF-5643-939E-02111984F565}" type="slidenum">
               <a:rPr lang="en-US" dirty="0"/>
-              <a:t>‹N°›</a:t>
+              <a:t>‹#›</a:t>
             </a:fld>
             <a:endParaRPr lang="en-US" dirty="0"/>
           </a:p>
@@ -4991,7 +4991,7 @@
           <a:p>
             <a:fld id="{BFCDB801-3F5D-4EDE-9F8F-05444B27E639}" type="datetime1">
               <a:rPr lang="en-US" smtClean="0"/>
-              <a:t>12/8/2015</a:t>
+              <a:t>12/13/16</a:t>
             </a:fld>
             <a:endParaRPr lang="en-US" dirty="0"/>
           </a:p>
@@ -5033,7 +5033,7 @@
           <a:p>
             <a:fld id="{D57F1E4F-1CFF-5643-939E-02111984F565}" type="slidenum">
               <a:rPr lang="en-US" dirty="0"/>
-              <a:t>‹N°›</a:t>
+              <a:t>‹#›</a:t>
             </a:fld>
             <a:endParaRPr lang="en-US" dirty="0"/>
           </a:p>
@@ -5265,7 +5265,7 @@
           <a:p>
             <a:fld id="{7198FA0D-8875-4F6E-B2AF-6B2DC58E689B}" type="datetime1">
               <a:rPr lang="en-US" smtClean="0"/>
-              <a:t>12/8/2015</a:t>
+              <a:t>12/13/16</a:t>
             </a:fld>
             <a:endParaRPr lang="en-US" dirty="0"/>
           </a:p>
@@ -5307,7 +5307,7 @@
           <a:p>
             <a:fld id="{D57F1E4F-1CFF-5643-939E-02111984F565}" type="slidenum">
               <a:rPr lang="en-US" dirty="0"/>
-              <a:t>‹N°›</a:t>
+              <a:t>‹#›</a:t>
             </a:fld>
             <a:endParaRPr lang="en-US" dirty="0"/>
           </a:p>
@@ -5535,7 +5535,7 @@
           <a:p>
             <a:fld id="{3BCA36F1-5119-432B-981E-A4608E8F11A2}" type="datetime1">
               <a:rPr lang="en-US" smtClean="0"/>
-              <a:t>12/8/2015</a:t>
+              <a:t>12/13/16</a:t>
             </a:fld>
             <a:endParaRPr lang="en-US" dirty="0"/>
           </a:p>
@@ -5577,7 +5577,7 @@
           <a:p>
             <a:fld id="{D57F1E4F-1CFF-5643-939E-02111984F565}" type="slidenum">
               <a:rPr lang="en-US" dirty="0"/>
-              <a:t>‹N°›</a:t>
+              <a:t>‹#›</a:t>
             </a:fld>
             <a:endParaRPr lang="en-US" dirty="0"/>
           </a:p>
@@ -5959,7 +5959,7 @@
           <a:p>
             <a:fld id="{82BA0AB9-1CC9-4CD0-B75C-4EB130BF7AED}" type="datetime1">
               <a:rPr lang="en-US" smtClean="0"/>
-              <a:t>12/8/2015</a:t>
+              <a:t>12/13/16</a:t>
             </a:fld>
             <a:endParaRPr lang="en-US" dirty="0"/>
           </a:p>
@@ -6038,7 +6038,7 @@
           <a:p>
             <a:fld id="{D57F1E4F-1CFF-5643-939E-02111984F565}" type="slidenum">
               <a:rPr lang="en-US" dirty="0"/>
-              <a:t>‹N°›</a:t>
+              <a:t>‹#›</a:t>
             </a:fld>
             <a:endParaRPr lang="en-US" dirty="0"/>
           </a:p>
@@ -6514,8 +6514,17 @@
             <a:pPr algn="ctr"/>
             <a:r>
               <a:rPr lang="fr-FR" dirty="0" smtClean="0"/>
-              <a:t>Alexis DUCERF – 2015</a:t>
-            </a:r>
+              <a:t>Alexis DUCERF </a:t>
+            </a:r>
+            <a:r>
+              <a:rPr lang="fr-FR" smtClean="0"/>
+              <a:t>– </a:t>
+            </a:r>
+            <a:r>
+              <a:rPr lang="fr-FR" smtClean="0"/>
+              <a:t>2016</a:t>
+            </a:r>
+            <a:endParaRPr lang="fr-FR" dirty="0" smtClean="0"/>
           </a:p>
           <a:p>
             <a:pPr algn="ctr"/>
@@ -7874,8 +7883,16 @@
               <a:t> </a:t>
             </a:r>
             <a:r>
+              <a:rPr lang="es-ES" sz="1800" b="1" dirty="0"/>
+              <a:t>.</a:t>
+            </a:r>
+            <a:r>
               <a:rPr lang="es-ES" sz="1800" b="1" dirty="0" smtClean="0"/>
-              <a:t>,= ‘bar’; //</a:t>
+              <a:t>= </a:t>
+            </a:r>
+            <a:r>
+              <a:rPr lang="es-ES" sz="1800" b="1" dirty="0" smtClean="0"/>
+              <a:t>‘bar’; //</a:t>
             </a:r>
             <a:r>
               <a:rPr lang="es-ES" sz="1800" b="1" dirty="0" err="1" smtClean="0"/>

--- a/PHP/PPT/2 - Formation PHP -les fondements de PHP.pptx
+++ b/PHP/PPT/2 - Formation PHP -les fondements de PHP.pptx
@@ -210,7 +210,7 @@
           <a:p>
             <a:fld id="{7E0382DC-03BB-4DA5-8FDD-921109285244}" type="datetimeFigureOut">
               <a:rPr lang="fr-FR" smtClean="0"/>
-              <a:t>13/12/2016</a:t>
+              <a:t>10/01/2017</a:t>
             </a:fld>
             <a:endParaRPr lang="fr-FR"/>
           </a:p>
@@ -376,7 +376,7 @@
           <a:p>
             <a:fld id="{389D4A9C-97F0-421E-BA4F-D67C6EA9E76C}" type="datetimeFigureOut">
               <a:rPr lang="fr-FR" smtClean="0"/>
-              <a:t>13/12/2016</a:t>
+              <a:t>10/01/2017</a:t>
             </a:fld>
             <a:endParaRPr lang="fr-FR"/>
           </a:p>
@@ -828,7 +828,7 @@
           <a:p>
             <a:fld id="{D028C1AA-BF05-477F-A770-8B89FAEAA0EB}" type="datetime1">
               <a:rPr lang="en-US" smtClean="0"/>
-              <a:t>12/13/16</a:t>
+              <a:t>1/10/17</a:t>
             </a:fld>
             <a:endParaRPr lang="en-US" dirty="0"/>
           </a:p>
@@ -1098,7 +1098,7 @@
           <a:p>
             <a:fld id="{ACB945BD-B832-438F-9794-86FAF9DC2027}" type="datetime1">
               <a:rPr lang="en-US" smtClean="0"/>
-              <a:t>12/13/16</a:t>
+              <a:t>1/10/17</a:t>
             </a:fld>
             <a:endParaRPr lang="en-US" dirty="0"/>
           </a:p>
@@ -1287,7 +1287,7 @@
           <a:p>
             <a:fld id="{1274AFCD-D2AD-4C91-98A9-FDB209680D66}" type="datetime1">
               <a:rPr lang="en-US" smtClean="0"/>
-              <a:t>12/13/16</a:t>
+              <a:t>1/10/17</a:t>
             </a:fld>
             <a:endParaRPr lang="en-US" dirty="0"/>
           </a:p>
@@ -1550,7 +1550,7 @@
           <a:p>
             <a:fld id="{7381FAA0-3FF9-44B3-94D9-03C8A2166C7C}" type="datetime1">
               <a:rPr lang="en-US" smtClean="0"/>
-              <a:t>12/13/16</a:t>
+              <a:t>1/10/17</a:t>
             </a:fld>
             <a:endParaRPr lang="en-US" dirty="0"/>
           </a:p>
@@ -1877,7 +1877,7 @@
           <a:p>
             <a:fld id="{F769EEA7-6558-41EF-B7C6-A91CF4B2286A}" type="datetime1">
               <a:rPr lang="en-US" smtClean="0"/>
-              <a:t>12/13/16</a:t>
+              <a:t>1/10/17</a:t>
             </a:fld>
             <a:endParaRPr lang="en-US" dirty="0"/>
           </a:p>
@@ -2482,7 +2482,7 @@
           <a:p>
             <a:fld id="{4CE4BD85-82ED-49EB-9DBD-BBC9E8C9DC12}" type="datetime1">
               <a:rPr lang="en-US" smtClean="0"/>
-              <a:t>12/13/16</a:t>
+              <a:t>1/10/17</a:t>
             </a:fld>
             <a:endParaRPr lang="en-US" dirty="0"/>
           </a:p>
@@ -3324,7 +3324,7 @@
           <a:p>
             <a:fld id="{6BC53C1E-317A-4984-805E-B749D7F4E950}" type="datetime1">
               <a:rPr lang="en-US" smtClean="0"/>
-              <a:t>12/13/16</a:t>
+              <a:t>1/10/17</a:t>
             </a:fld>
             <a:endParaRPr lang="en-US" dirty="0"/>
           </a:p>
@@ -3489,7 +3489,7 @@
           <a:p>
             <a:fld id="{F1541179-F36C-45FB-BF05-576CE598AD5E}" type="datetime1">
               <a:rPr lang="en-US" smtClean="0"/>
-              <a:t>12/13/16</a:t>
+              <a:t>1/10/17</a:t>
             </a:fld>
             <a:endParaRPr lang="en-US" dirty="0"/>
           </a:p>
@@ -3664,7 +3664,7 @@
           <a:p>
             <a:fld id="{1452E859-5120-490F-BA2B-6A7031AEA6DD}" type="datetime1">
               <a:rPr lang="en-US" smtClean="0"/>
-              <a:t>12/13/16</a:t>
+              <a:t>1/10/17</a:t>
             </a:fld>
             <a:endParaRPr lang="en-US" dirty="0"/>
           </a:p>
@@ -3829,7 +3829,7 @@
           <a:p>
             <a:fld id="{9E91C1F3-CCCF-41BE-864F-0425C3139438}" type="datetime1">
               <a:rPr lang="en-US" smtClean="0"/>
-              <a:t>12/13/16</a:t>
+              <a:t>1/10/17</a:t>
             </a:fld>
             <a:endParaRPr lang="en-US" dirty="0"/>
           </a:p>
@@ -4068,7 +4068,7 @@
           <a:p>
             <a:fld id="{F6B991C2-3901-4AF2-98EE-931409B84DE2}" type="datetime1">
               <a:rPr lang="en-US" smtClean="0"/>
-              <a:t>12/13/16</a:t>
+              <a:t>1/10/17</a:t>
             </a:fld>
             <a:endParaRPr lang="en-US" dirty="0"/>
           </a:p>
@@ -4355,7 +4355,7 @@
           <a:p>
             <a:fld id="{0E6299F7-1BBE-4C5A-B359-D36F51D55589}" type="datetime1">
               <a:rPr lang="en-US" smtClean="0"/>
-              <a:t>12/13/16</a:t>
+              <a:t>1/10/17</a:t>
             </a:fld>
             <a:endParaRPr lang="en-US" dirty="0"/>
           </a:p>
@@ -4788,7 +4788,7 @@
           <a:p>
             <a:fld id="{6410AB36-E70B-469E-8F5C-D9AD08E30B0A}" type="datetime1">
               <a:rPr lang="en-US" smtClean="0"/>
-              <a:t>12/13/16</a:t>
+              <a:t>1/10/17</a:t>
             </a:fld>
             <a:endParaRPr lang="en-US" dirty="0"/>
           </a:p>
@@ -4901,7 +4901,7 @@
           <a:p>
             <a:fld id="{B81B622A-D58B-4801-8726-8C0FD6F327E4}" type="datetime1">
               <a:rPr lang="en-US" smtClean="0"/>
-              <a:t>12/13/16</a:t>
+              <a:t>1/10/17</a:t>
             </a:fld>
             <a:endParaRPr lang="en-US" dirty="0"/>
           </a:p>
@@ -4991,7 +4991,7 @@
           <a:p>
             <a:fld id="{BFCDB801-3F5D-4EDE-9F8F-05444B27E639}" type="datetime1">
               <a:rPr lang="en-US" smtClean="0"/>
-              <a:t>12/13/16</a:t>
+              <a:t>1/10/17</a:t>
             </a:fld>
             <a:endParaRPr lang="en-US" dirty="0"/>
           </a:p>
@@ -5265,7 +5265,7 @@
           <a:p>
             <a:fld id="{7198FA0D-8875-4F6E-B2AF-6B2DC58E689B}" type="datetime1">
               <a:rPr lang="en-US" smtClean="0"/>
-              <a:t>12/13/16</a:t>
+              <a:t>1/10/17</a:t>
             </a:fld>
             <a:endParaRPr lang="en-US" dirty="0"/>
           </a:p>
@@ -5535,7 +5535,7 @@
           <a:p>
             <a:fld id="{3BCA36F1-5119-432B-981E-A4608E8F11A2}" type="datetime1">
               <a:rPr lang="en-US" smtClean="0"/>
-              <a:t>12/13/16</a:t>
+              <a:t>1/10/17</a:t>
             </a:fld>
             <a:endParaRPr lang="en-US" dirty="0"/>
           </a:p>
@@ -5959,7 +5959,7 @@
           <a:p>
             <a:fld id="{82BA0AB9-1CC9-4CD0-B75C-4EB130BF7AED}" type="datetime1">
               <a:rPr lang="en-US" smtClean="0"/>
-              <a:t>12/13/16</a:t>
+              <a:t>1/10/17</a:t>
             </a:fld>
             <a:endParaRPr lang="en-US" dirty="0"/>
           </a:p>
@@ -6518,11 +6518,7 @@
             </a:r>
             <a:r>
               <a:rPr lang="fr-FR" smtClean="0"/>
-              <a:t>– </a:t>
-            </a:r>
-            <a:r>
-              <a:rPr lang="fr-FR" smtClean="0"/>
-              <a:t>2016</a:t>
+              <a:t>– 2016</a:t>
             </a:r>
             <a:endParaRPr lang="fr-FR" dirty="0" smtClean="0"/>
           </a:p>
@@ -7316,7 +7312,19 @@
           <a:p>
             <a:r>
               <a:rPr lang="fr-FR" dirty="0" smtClean="0"/>
-              <a:t>Pour placer du code PHP il nécessaire d’utiliser les balises </a:t>
+              <a:t>Pour placer du code PHP </a:t>
+            </a:r>
+            <a:r>
+              <a:rPr lang="fr-FR" smtClean="0"/>
+              <a:t>il </a:t>
+            </a:r>
+            <a:r>
+              <a:rPr lang="fr-FR" smtClean="0"/>
+              <a:t>est nécessaire </a:t>
+            </a:r>
+            <a:r>
+              <a:rPr lang="fr-FR" dirty="0" smtClean="0"/>
+              <a:t>d’utiliser les balises </a:t>
             </a:r>
             <a:r>
               <a:rPr lang="fr-FR" dirty="0" smtClean="0">
@@ -7880,19 +7888,11 @@
             </a:r>
             <a:r>
               <a:rPr lang="es-ES" sz="1800" b="1" dirty="0"/>
-              <a:t> </a:t>
-            </a:r>
-            <a:r>
-              <a:rPr lang="es-ES" sz="1800" b="1" dirty="0"/>
-              <a:t>.</a:t>
+              <a:t> .</a:t>
             </a:r>
             <a:r>
               <a:rPr lang="es-ES" sz="1800" b="1" dirty="0" smtClean="0"/>
-              <a:t>= </a:t>
-            </a:r>
-            <a:r>
-              <a:rPr lang="es-ES" sz="1800" b="1" dirty="0" smtClean="0"/>
-              <a:t>‘bar’; //</a:t>
+              <a:t>= ‘bar’; //</a:t>
             </a:r>
             <a:r>
               <a:rPr lang="es-ES" sz="1800" b="1" dirty="0" err="1" smtClean="0"/>

--- a/PHP/PPT/2 - Formation PHP -les fondements de PHP.pptx
+++ b/PHP/PPT/2 - Formation PHP -les fondements de PHP.pptx
@@ -210,7 +210,7 @@
           <a:p>
             <a:fld id="{7E0382DC-03BB-4DA5-8FDD-921109285244}" type="datetimeFigureOut">
               <a:rPr lang="fr-FR" smtClean="0"/>
-              <a:t>10/01/2017</a:t>
+              <a:t>01/07/2017</a:t>
             </a:fld>
             <a:endParaRPr lang="fr-FR"/>
           </a:p>
@@ -376,7 +376,7 @@
           <a:p>
             <a:fld id="{389D4A9C-97F0-421E-BA4F-D67C6EA9E76C}" type="datetimeFigureOut">
               <a:rPr lang="fr-FR" smtClean="0"/>
-              <a:t>10/01/2017</a:t>
+              <a:t>01/07/2017</a:t>
             </a:fld>
             <a:endParaRPr lang="fr-FR"/>
           </a:p>
@@ -645,6 +645,90 @@
 </p:notesMaster>
 </file>
 
+<file path=ppt/notesSlides/notesSlide1.xml><?xml version="1.0" encoding="utf-8"?>
+<p:notes xmlns:a="http://schemas.openxmlformats.org/drawingml/2006/main" xmlns:r="http://schemas.openxmlformats.org/officeDocument/2006/relationships" xmlns:p="http://schemas.openxmlformats.org/presentationml/2006/main">
+  <p:cSld>
+    <p:spTree>
+      <p:nvGrpSpPr>
+        <p:cNvPr id="1" name=""/>
+        <p:cNvGrpSpPr/>
+        <p:nvPr/>
+      </p:nvGrpSpPr>
+      <p:grpSpPr>
+        <a:xfrm>
+          <a:off x="0" y="0"/>
+          <a:ext cx="0" cy="0"/>
+          <a:chOff x="0" y="0"/>
+          <a:chExt cx="0" cy="0"/>
+        </a:xfrm>
+      </p:grpSpPr>
+      <p:sp>
+        <p:nvSpPr>
+          <p:cNvPr id="2" name="Espace réservé de l’image des diapositives 1"/>
+          <p:cNvSpPr>
+            <a:spLocks noGrp="1" noRot="1" noChangeAspect="1"/>
+          </p:cNvSpPr>
+          <p:nvPr>
+            <p:ph type="sldImg"/>
+          </p:nvPr>
+        </p:nvSpPr>
+        <p:spPr/>
+      </p:sp>
+      <p:sp>
+        <p:nvSpPr>
+          <p:cNvPr id="3" name="Espace réservé des commentaires 2"/>
+          <p:cNvSpPr>
+            <a:spLocks noGrp="1"/>
+          </p:cNvSpPr>
+          <p:nvPr>
+            <p:ph type="body" idx="1"/>
+          </p:nvPr>
+        </p:nvSpPr>
+        <p:spPr/>
+        <p:txBody>
+          <a:bodyPr/>
+          <a:lstStyle/>
+          <a:p>
+            <a:endParaRPr lang="fr-FR" dirty="0"/>
+          </a:p>
+        </p:txBody>
+      </p:sp>
+      <p:sp>
+        <p:nvSpPr>
+          <p:cNvPr id="4" name="Espace réservé du numéro de diapositive 3"/>
+          <p:cNvSpPr>
+            <a:spLocks noGrp="1"/>
+          </p:cNvSpPr>
+          <p:nvPr>
+            <p:ph type="sldNum" sz="quarter" idx="10"/>
+          </p:nvPr>
+        </p:nvSpPr>
+        <p:spPr/>
+        <p:txBody>
+          <a:bodyPr/>
+          <a:lstStyle/>
+          <a:p>
+            <a:fld id="{B8C2C029-268C-41B7-93F7-272C3F336A6D}" type="slidenum">
+              <a:rPr lang="fr-FR" smtClean="0"/>
+              <a:t>9</a:t>
+            </a:fld>
+            <a:endParaRPr lang="fr-FR"/>
+          </a:p>
+        </p:txBody>
+      </p:sp>
+    </p:spTree>
+    <p:extLst>
+      <p:ext uri="{BB962C8B-B14F-4D97-AF65-F5344CB8AC3E}">
+        <p14:creationId xmlns:p14="http://schemas.microsoft.com/office/powerpoint/2010/main" val="617272854"/>
+      </p:ext>
+    </p:extLst>
+  </p:cSld>
+  <p:clrMapOvr>
+    <a:masterClrMapping/>
+  </p:clrMapOvr>
+</p:notes>
+</file>
+
 <file path=ppt/slideLayouts/slideLayout1.xml><?xml version="1.0" encoding="utf-8"?>
 <p:sldLayout xmlns:a="http://schemas.openxmlformats.org/drawingml/2006/main" xmlns:r="http://schemas.openxmlformats.org/officeDocument/2006/relationships" xmlns:p="http://schemas.openxmlformats.org/presentationml/2006/main" type="title" preserve="1">
   <p:cSld name="Diapositive de titre">
@@ -828,7 +912,7 @@
           <a:p>
             <a:fld id="{D028C1AA-BF05-477F-A770-8B89FAEAA0EB}" type="datetime1">
               <a:rPr lang="en-US" smtClean="0"/>
-              <a:t>1/10/17</a:t>
+              <a:t>7/1/17</a:t>
             </a:fld>
             <a:endParaRPr lang="en-US" dirty="0"/>
           </a:p>
@@ -1098,7 +1182,7 @@
           <a:p>
             <a:fld id="{ACB945BD-B832-438F-9794-86FAF9DC2027}" type="datetime1">
               <a:rPr lang="en-US" smtClean="0"/>
-              <a:t>1/10/17</a:t>
+              <a:t>7/1/17</a:t>
             </a:fld>
             <a:endParaRPr lang="en-US" dirty="0"/>
           </a:p>
@@ -1287,7 +1371,7 @@
           <a:p>
             <a:fld id="{1274AFCD-D2AD-4C91-98A9-FDB209680D66}" type="datetime1">
               <a:rPr lang="en-US" smtClean="0"/>
-              <a:t>1/10/17</a:t>
+              <a:t>7/1/17</a:t>
             </a:fld>
             <a:endParaRPr lang="en-US" dirty="0"/>
           </a:p>
@@ -1550,7 +1634,7 @@
           <a:p>
             <a:fld id="{7381FAA0-3FF9-44B3-94D9-03C8A2166C7C}" type="datetime1">
               <a:rPr lang="en-US" smtClean="0"/>
-              <a:t>1/10/17</a:t>
+              <a:t>7/1/17</a:t>
             </a:fld>
             <a:endParaRPr lang="en-US" dirty="0"/>
           </a:p>
@@ -1877,7 +1961,7 @@
           <a:p>
             <a:fld id="{F769EEA7-6558-41EF-B7C6-A91CF4B2286A}" type="datetime1">
               <a:rPr lang="en-US" smtClean="0"/>
-              <a:t>1/10/17</a:t>
+              <a:t>7/1/17</a:t>
             </a:fld>
             <a:endParaRPr lang="en-US" dirty="0"/>
           </a:p>
@@ -2482,7 +2566,7 @@
           <a:p>
             <a:fld id="{4CE4BD85-82ED-49EB-9DBD-BBC9E8C9DC12}" type="datetime1">
               <a:rPr lang="en-US" smtClean="0"/>
-              <a:t>1/10/17</a:t>
+              <a:t>7/1/17</a:t>
             </a:fld>
             <a:endParaRPr lang="en-US" dirty="0"/>
           </a:p>
@@ -3324,7 +3408,7 @@
           <a:p>
             <a:fld id="{6BC53C1E-317A-4984-805E-B749D7F4E950}" type="datetime1">
               <a:rPr lang="en-US" smtClean="0"/>
-              <a:t>1/10/17</a:t>
+              <a:t>7/1/17</a:t>
             </a:fld>
             <a:endParaRPr lang="en-US" dirty="0"/>
           </a:p>
@@ -3489,7 +3573,7 @@
           <a:p>
             <a:fld id="{F1541179-F36C-45FB-BF05-576CE598AD5E}" type="datetime1">
               <a:rPr lang="en-US" smtClean="0"/>
-              <a:t>1/10/17</a:t>
+              <a:t>7/1/17</a:t>
             </a:fld>
             <a:endParaRPr lang="en-US" dirty="0"/>
           </a:p>
@@ -3664,7 +3748,7 @@
           <a:p>
             <a:fld id="{1452E859-5120-490F-BA2B-6A7031AEA6DD}" type="datetime1">
               <a:rPr lang="en-US" smtClean="0"/>
-              <a:t>1/10/17</a:t>
+              <a:t>7/1/17</a:t>
             </a:fld>
             <a:endParaRPr lang="en-US" dirty="0"/>
           </a:p>
@@ -3829,7 +3913,7 @@
           <a:p>
             <a:fld id="{9E91C1F3-CCCF-41BE-864F-0425C3139438}" type="datetime1">
               <a:rPr lang="en-US" smtClean="0"/>
-              <a:t>1/10/17</a:t>
+              <a:t>7/1/17</a:t>
             </a:fld>
             <a:endParaRPr lang="en-US" dirty="0"/>
           </a:p>
@@ -4068,7 +4152,7 @@
           <a:p>
             <a:fld id="{F6B991C2-3901-4AF2-98EE-931409B84DE2}" type="datetime1">
               <a:rPr lang="en-US" smtClean="0"/>
-              <a:t>1/10/17</a:t>
+              <a:t>7/1/17</a:t>
             </a:fld>
             <a:endParaRPr lang="en-US" dirty="0"/>
           </a:p>
@@ -4355,7 +4439,7 @@
           <a:p>
             <a:fld id="{0E6299F7-1BBE-4C5A-B359-D36F51D55589}" type="datetime1">
               <a:rPr lang="en-US" smtClean="0"/>
-              <a:t>1/10/17</a:t>
+              <a:t>7/1/17</a:t>
             </a:fld>
             <a:endParaRPr lang="en-US" dirty="0"/>
           </a:p>
@@ -4788,7 +4872,7 @@
           <a:p>
             <a:fld id="{6410AB36-E70B-469E-8F5C-D9AD08E30B0A}" type="datetime1">
               <a:rPr lang="en-US" smtClean="0"/>
-              <a:t>1/10/17</a:t>
+              <a:t>7/1/17</a:t>
             </a:fld>
             <a:endParaRPr lang="en-US" dirty="0"/>
           </a:p>
@@ -4901,7 +4985,7 @@
           <a:p>
             <a:fld id="{B81B622A-D58B-4801-8726-8C0FD6F327E4}" type="datetime1">
               <a:rPr lang="en-US" smtClean="0"/>
-              <a:t>1/10/17</a:t>
+              <a:t>7/1/17</a:t>
             </a:fld>
             <a:endParaRPr lang="en-US" dirty="0"/>
           </a:p>
@@ -4991,7 +5075,7 @@
           <a:p>
             <a:fld id="{BFCDB801-3F5D-4EDE-9F8F-05444B27E639}" type="datetime1">
               <a:rPr lang="en-US" smtClean="0"/>
-              <a:t>1/10/17</a:t>
+              <a:t>7/1/17</a:t>
             </a:fld>
             <a:endParaRPr lang="en-US" dirty="0"/>
           </a:p>
@@ -5265,7 +5349,7 @@
           <a:p>
             <a:fld id="{7198FA0D-8875-4F6E-B2AF-6B2DC58E689B}" type="datetime1">
               <a:rPr lang="en-US" smtClean="0"/>
-              <a:t>1/10/17</a:t>
+              <a:t>7/1/17</a:t>
             </a:fld>
             <a:endParaRPr lang="en-US" dirty="0"/>
           </a:p>
@@ -5535,7 +5619,7 @@
           <a:p>
             <a:fld id="{3BCA36F1-5119-432B-981E-A4608E8F11A2}" type="datetime1">
               <a:rPr lang="en-US" smtClean="0"/>
-              <a:t>1/10/17</a:t>
+              <a:t>7/1/17</a:t>
             </a:fld>
             <a:endParaRPr lang="en-US" dirty="0"/>
           </a:p>
@@ -5959,7 +6043,7 @@
           <a:p>
             <a:fld id="{82BA0AB9-1CC9-4CD0-B75C-4EB130BF7AED}" type="datetime1">
               <a:rPr lang="en-US" smtClean="0"/>
-              <a:t>1/10/17</a:t>
+              <a:t>7/1/17</a:t>
             </a:fld>
             <a:endParaRPr lang="en-US" dirty="0"/>
           </a:p>
@@ -6514,11 +6598,11 @@
             <a:pPr algn="ctr"/>
             <a:r>
               <a:rPr lang="fr-FR" dirty="0" smtClean="0"/>
-              <a:t>Alexis DUCERF </a:t>
-            </a:r>
-            <a:r>
-              <a:rPr lang="fr-FR" smtClean="0"/>
-              <a:t>– 2016</a:t>
+              <a:t>Alexis DUCERF – </a:t>
+            </a:r>
+            <a:r>
+              <a:rPr lang="fr-FR" dirty="0" smtClean="0"/>
+              <a:t>2017</a:t>
             </a:r>
             <a:endParaRPr lang="fr-FR" dirty="0" smtClean="0"/>
           </a:p>
@@ -7316,11 +7400,7 @@
             </a:r>
             <a:r>
               <a:rPr lang="fr-FR" smtClean="0"/>
-              <a:t>il </a:t>
-            </a:r>
-            <a:r>
-              <a:rPr lang="fr-FR" smtClean="0"/>
-              <a:t>est nécessaire </a:t>
+              <a:t>il est nécessaire </a:t>
             </a:r>
             <a:r>
               <a:rPr lang="fr-FR" dirty="0" smtClean="0"/>
